--- a/tai_lieu/pp_do_an_j2.pptx
+++ b/tai_lieu/pp_do_an_j2.pptx
@@ -116,6 +116,11 @@
       </a:defRPr>
     </a:lvl9pPr>
   </p:defaultTextStyle>
+  <p:extLst>
+    <p:ext uri="{EFAFB233-063F-42B5-8137-9DF3F51BA10A}">
+      <p15:sldGuideLst xmlns:p15="http://schemas.microsoft.com/office/powerpoint/2012/main"/>
+    </p:ext>
+  </p:extLst>
 </p:presentation>
 </file>
 
@@ -278,7 +283,7 @@
           <a:p>
             <a:fld id="{AEF59AAE-51FC-4658-86FC-C7F95413F8DF}" type="datetimeFigureOut">
               <a:rPr lang="en-US" smtClean="0"/>
-              <a:t>18-Feb-22</a:t>
+              <a:t>2/19/2022</a:t>
             </a:fld>
             <a:endParaRPr lang="en-US"/>
           </a:p>
@@ -476,7 +481,7 @@
           <a:p>
             <a:fld id="{AEF59AAE-51FC-4658-86FC-C7F95413F8DF}" type="datetimeFigureOut">
               <a:rPr lang="en-US" smtClean="0"/>
-              <a:t>18-Feb-22</a:t>
+              <a:t>2/19/2022</a:t>
             </a:fld>
             <a:endParaRPr lang="en-US"/>
           </a:p>
@@ -684,7 +689,7 @@
           <a:p>
             <a:fld id="{AEF59AAE-51FC-4658-86FC-C7F95413F8DF}" type="datetimeFigureOut">
               <a:rPr lang="en-US" smtClean="0"/>
-              <a:t>18-Feb-22</a:t>
+              <a:t>2/19/2022</a:t>
             </a:fld>
             <a:endParaRPr lang="en-US"/>
           </a:p>
@@ -882,7 +887,7 @@
           <a:p>
             <a:fld id="{AEF59AAE-51FC-4658-86FC-C7F95413F8DF}" type="datetimeFigureOut">
               <a:rPr lang="en-US" smtClean="0"/>
-              <a:t>18-Feb-22</a:t>
+              <a:t>2/19/2022</a:t>
             </a:fld>
             <a:endParaRPr lang="en-US"/>
           </a:p>
@@ -1157,7 +1162,7 @@
           <a:p>
             <a:fld id="{AEF59AAE-51FC-4658-86FC-C7F95413F8DF}" type="datetimeFigureOut">
               <a:rPr lang="en-US" smtClean="0"/>
-              <a:t>18-Feb-22</a:t>
+              <a:t>2/19/2022</a:t>
             </a:fld>
             <a:endParaRPr lang="en-US"/>
           </a:p>
@@ -1422,7 +1427,7 @@
           <a:p>
             <a:fld id="{AEF59AAE-51FC-4658-86FC-C7F95413F8DF}" type="datetimeFigureOut">
               <a:rPr lang="en-US" smtClean="0"/>
-              <a:t>18-Feb-22</a:t>
+              <a:t>2/19/2022</a:t>
             </a:fld>
             <a:endParaRPr lang="en-US"/>
           </a:p>
@@ -1834,7 +1839,7 @@
           <a:p>
             <a:fld id="{AEF59AAE-51FC-4658-86FC-C7F95413F8DF}" type="datetimeFigureOut">
               <a:rPr lang="en-US" smtClean="0"/>
-              <a:t>18-Feb-22</a:t>
+              <a:t>2/19/2022</a:t>
             </a:fld>
             <a:endParaRPr lang="en-US"/>
           </a:p>
@@ -1975,7 +1980,7 @@
           <a:p>
             <a:fld id="{AEF59AAE-51FC-4658-86FC-C7F95413F8DF}" type="datetimeFigureOut">
               <a:rPr lang="en-US" smtClean="0"/>
-              <a:t>18-Feb-22</a:t>
+              <a:t>2/19/2022</a:t>
             </a:fld>
             <a:endParaRPr lang="en-US"/>
           </a:p>
@@ -2088,7 +2093,7 @@
           <a:p>
             <a:fld id="{AEF59AAE-51FC-4658-86FC-C7F95413F8DF}" type="datetimeFigureOut">
               <a:rPr lang="en-US" smtClean="0"/>
-              <a:t>18-Feb-22</a:t>
+              <a:t>2/19/2022</a:t>
             </a:fld>
             <a:endParaRPr lang="en-US"/>
           </a:p>
@@ -2399,7 +2404,7 @@
           <a:p>
             <a:fld id="{AEF59AAE-51FC-4658-86FC-C7F95413F8DF}" type="datetimeFigureOut">
               <a:rPr lang="en-US" smtClean="0"/>
-              <a:t>18-Feb-22</a:t>
+              <a:t>2/19/2022</a:t>
             </a:fld>
             <a:endParaRPr lang="en-US"/>
           </a:p>
@@ -2687,7 +2692,7 @@
           <a:p>
             <a:fld id="{AEF59AAE-51FC-4658-86FC-C7F95413F8DF}" type="datetimeFigureOut">
               <a:rPr lang="en-US" smtClean="0"/>
-              <a:t>18-Feb-22</a:t>
+              <a:t>2/19/2022</a:t>
             </a:fld>
             <a:endParaRPr lang="en-US"/>
           </a:p>
@@ -2928,7 +2933,7 @@
           <a:p>
             <a:fld id="{AEF59AAE-51FC-4658-86FC-C7F95413F8DF}" type="datetimeFigureOut">
               <a:rPr lang="en-US" smtClean="0"/>
-              <a:t>18-Feb-22</a:t>
+              <a:t>2/19/2022</a:t>
             </a:fld>
             <a:endParaRPr lang="en-US"/>
           </a:p>
@@ -13934,7 +13939,7 @@
         </p:nvSpPr>
         <p:spPr>
           <a:xfrm>
-            <a:off x="634487" y="1268183"/>
+            <a:off x="629771" y="1049486"/>
             <a:ext cx="5235729" cy="755591"/>
           </a:xfrm>
           <a:prstGeom prst="rect">
@@ -14164,8 +14169,8 @@
         </p:nvSpPr>
         <p:spPr>
           <a:xfrm>
-            <a:off x="1524000" y="2052549"/>
-            <a:ext cx="7845417" cy="4420890"/>
+            <a:off x="1498626" y="1670073"/>
+            <a:ext cx="7845417" cy="5160259"/>
           </a:xfrm>
           <a:prstGeom prst="rect">
             <a:avLst/>
@@ -14770,7 +14775,7 @@
                 </a:effectLst>
                 <a:latin typeface="Palatino Linotype" panose="02040502050505030304" pitchFamily="18" charset="0"/>
               </a:rPr>
-              <a:t>Đánh</a:t>
+              <a:t>Quên</a:t>
             </a:r>
             <a:r>
               <a:rPr lang="en-US" sz="2400" dirty="0">
@@ -14802,7 +14807,7 @@
                 </a:effectLst>
                 <a:latin typeface="Palatino Linotype" panose="02040502050505030304" pitchFamily="18" charset="0"/>
               </a:rPr>
-              <a:t>giá</a:t>
+              <a:t>mất</a:t>
             </a:r>
             <a:r>
               <a:rPr lang="en-US" sz="2400" dirty="0">
@@ -14818,8 +14823,37 @@
                 </a:effectLst>
                 <a:latin typeface="Palatino Linotype" panose="02040502050505030304" pitchFamily="18" charset="0"/>
               </a:rPr>
-              <a:t>.</a:t>
-            </a:r>
+              <a:t> </a:t>
+            </a:r>
+            <a:r>
+              <a:rPr lang="en-US" sz="2400" dirty="0" err="1">
+                <a:solidFill>
+                  <a:schemeClr val="bg1"/>
+                </a:solidFill>
+                <a:effectLst>
+                  <a:outerShdw blurRad="38100" dist="38100" dir="2700000" algn="tl">
+                    <a:srgbClr val="000000">
+                      <a:alpha val="43137"/>
+                    </a:srgbClr>
+                  </a:outerShdw>
+                </a:effectLst>
+                <a:latin typeface="Palatino Linotype" panose="02040502050505030304" pitchFamily="18" charset="0"/>
+              </a:rPr>
+              <a:t>khẩu</a:t>
+            </a:r>
+            <a:endParaRPr lang="en-US" sz="2400" dirty="0">
+              <a:solidFill>
+                <a:schemeClr val="bg1"/>
+              </a:solidFill>
+              <a:effectLst>
+                <a:outerShdw blurRad="38100" dist="38100" dir="2700000" algn="tl">
+                  <a:srgbClr val="000000">
+                    <a:alpha val="43137"/>
+                  </a:srgbClr>
+                </a:outerShdw>
+              </a:effectLst>
+              <a:latin typeface="Palatino Linotype" panose="02040502050505030304" pitchFamily="18" charset="0"/>
+            </a:endParaRPr>
           </a:p>
           <a:p>
             <a:pPr marL="285750" indent="-285750">
@@ -14843,7 +14877,7 @@
                 </a:effectLst>
                 <a:latin typeface="Palatino Linotype" panose="02040502050505030304" pitchFamily="18" charset="0"/>
               </a:rPr>
-              <a:t>Xem</a:t>
+              <a:t>Thay</a:t>
             </a:r>
             <a:r>
               <a:rPr lang="en-US" sz="2400" dirty="0">
@@ -14875,7 +14909,7 @@
                 </a:effectLst>
                 <a:latin typeface="Palatino Linotype" panose="02040502050505030304" pitchFamily="18" charset="0"/>
               </a:rPr>
-              <a:t>đơn</a:t>
+              <a:t>đổi</a:t>
             </a:r>
             <a:r>
               <a:rPr lang="en-US" sz="2400" dirty="0">
@@ -14907,7 +14941,7 @@
                 </a:effectLst>
                 <a:latin typeface="Palatino Linotype" panose="02040502050505030304" pitchFamily="18" charset="0"/>
               </a:rPr>
-              <a:t>hàng</a:t>
+              <a:t>thông</a:t>
             </a:r>
             <a:r>
               <a:rPr lang="en-US" sz="2400" dirty="0">
@@ -14923,7 +14957,7 @@
                 </a:effectLst>
                 <a:latin typeface="Palatino Linotype" panose="02040502050505030304" pitchFamily="18" charset="0"/>
               </a:rPr>
-              <a:t> </a:t>
+              <a:t> tin </a:t>
             </a:r>
             <a:r>
               <a:rPr lang="en-US" sz="2400" dirty="0" err="1">
@@ -14939,7 +14973,7 @@
                 </a:effectLst>
                 <a:latin typeface="Palatino Linotype" panose="02040502050505030304" pitchFamily="18" charset="0"/>
               </a:rPr>
-              <a:t>đã</a:t>
+              <a:t>cá</a:t>
             </a:r>
             <a:r>
               <a:rPr lang="en-US" sz="2400" dirty="0">
@@ -14971,32 +15005,263 @@
                 </a:effectLst>
                 <a:latin typeface="Palatino Linotype" panose="02040502050505030304" pitchFamily="18" charset="0"/>
               </a:rPr>
-              <a:t>đặt</a:t>
-            </a:r>
-            <a:r>
-              <a:rPr lang="en-US" sz="2400" dirty="0">
-                <a:solidFill>
-                  <a:schemeClr val="bg1"/>
-                </a:solidFill>
-                <a:effectLst>
-                  <a:outerShdw blurRad="38100" dist="38100" dir="2700000" algn="tl">
-                    <a:srgbClr val="000000">
-                      <a:alpha val="43137"/>
-                    </a:srgbClr>
-                  </a:outerShdw>
-                </a:effectLst>
-                <a:latin typeface="Palatino Linotype" panose="02040502050505030304" pitchFamily="18" charset="0"/>
-              </a:rPr>
-              <a:t>.</a:t>
-            </a:r>
-          </a:p>
-          <a:p>
-            <a:pPr>
+              <a:t>nhân</a:t>
+            </a:r>
+            <a:endParaRPr lang="en-US" sz="2400" dirty="0">
+              <a:solidFill>
+                <a:schemeClr val="bg1"/>
+              </a:solidFill>
+              <a:effectLst>
+                <a:outerShdw blurRad="38100" dist="38100" dir="2700000" algn="tl">
+                  <a:srgbClr val="000000">
+                    <a:alpha val="43137"/>
+                  </a:srgbClr>
+                </a:outerShdw>
+              </a:effectLst>
+              <a:latin typeface="Palatino Linotype" panose="02040502050505030304" pitchFamily="18" charset="0"/>
+            </a:endParaRPr>
+          </a:p>
+          <a:p>
+            <a:pPr marL="285750" indent="-285750">
               <a:lnSpc>
                 <a:spcPct val="200000"/>
               </a:lnSpc>
+              <a:buFont typeface="Arial" panose="020B0604020202020204" pitchFamily="34" charset="0"/>
+              <a:buChar char="•"/>
             </a:pPr>
-            <a:endParaRPr lang="en-US" sz="2400" dirty="0"/>
+            <a:r>
+              <a:rPr lang="en-US" sz="2400" dirty="0" err="1">
+                <a:solidFill>
+                  <a:schemeClr val="bg1"/>
+                </a:solidFill>
+                <a:effectLst>
+                  <a:outerShdw blurRad="38100" dist="38100" dir="2700000" algn="tl">
+                    <a:srgbClr val="000000">
+                      <a:alpha val="43137"/>
+                    </a:srgbClr>
+                  </a:outerShdw>
+                </a:effectLst>
+                <a:latin typeface="Palatino Linotype" panose="02040502050505030304" pitchFamily="18" charset="0"/>
+              </a:rPr>
+              <a:t>Đánh</a:t>
+            </a:r>
+            <a:r>
+              <a:rPr lang="en-US" sz="2400" dirty="0">
+                <a:solidFill>
+                  <a:schemeClr val="bg1"/>
+                </a:solidFill>
+                <a:effectLst>
+                  <a:outerShdw blurRad="38100" dist="38100" dir="2700000" algn="tl">
+                    <a:srgbClr val="000000">
+                      <a:alpha val="43137"/>
+                    </a:srgbClr>
+                  </a:outerShdw>
+                </a:effectLst>
+                <a:latin typeface="Palatino Linotype" panose="02040502050505030304" pitchFamily="18" charset="0"/>
+              </a:rPr>
+              <a:t> </a:t>
+            </a:r>
+            <a:r>
+              <a:rPr lang="en-US" sz="2400" dirty="0" err="1">
+                <a:solidFill>
+                  <a:schemeClr val="bg1"/>
+                </a:solidFill>
+                <a:effectLst>
+                  <a:outerShdw blurRad="38100" dist="38100" dir="2700000" algn="tl">
+                    <a:srgbClr val="000000">
+                      <a:alpha val="43137"/>
+                    </a:srgbClr>
+                  </a:outerShdw>
+                </a:effectLst>
+                <a:latin typeface="Palatino Linotype" panose="02040502050505030304" pitchFamily="18" charset="0"/>
+              </a:rPr>
+              <a:t>giá</a:t>
+            </a:r>
+            <a:r>
+              <a:rPr lang="en-US" sz="2400" dirty="0">
+                <a:solidFill>
+                  <a:schemeClr val="bg1"/>
+                </a:solidFill>
+                <a:effectLst>
+                  <a:outerShdw blurRad="38100" dist="38100" dir="2700000" algn="tl">
+                    <a:srgbClr val="000000">
+                      <a:alpha val="43137"/>
+                    </a:srgbClr>
+                  </a:outerShdw>
+                </a:effectLst>
+                <a:latin typeface="Palatino Linotype" panose="02040502050505030304" pitchFamily="18" charset="0"/>
+              </a:rPr>
+              <a:t>.</a:t>
+            </a:r>
+          </a:p>
+          <a:p>
+            <a:pPr marL="285750" indent="-285750">
+              <a:lnSpc>
+                <a:spcPct val="200000"/>
+              </a:lnSpc>
+              <a:buFont typeface="Arial" panose="020B0604020202020204" pitchFamily="34" charset="0"/>
+              <a:buChar char="•"/>
+            </a:pPr>
+            <a:r>
+              <a:rPr lang="en-US" sz="2400" dirty="0" err="1">
+                <a:solidFill>
+                  <a:schemeClr val="bg1"/>
+                </a:solidFill>
+                <a:effectLst>
+                  <a:outerShdw blurRad="38100" dist="38100" dir="2700000" algn="tl">
+                    <a:srgbClr val="000000">
+                      <a:alpha val="43137"/>
+                    </a:srgbClr>
+                  </a:outerShdw>
+                </a:effectLst>
+                <a:latin typeface="Palatino Linotype" panose="02040502050505030304" pitchFamily="18" charset="0"/>
+              </a:rPr>
+              <a:t>Xem</a:t>
+            </a:r>
+            <a:r>
+              <a:rPr lang="en-US" sz="2400" dirty="0">
+                <a:solidFill>
+                  <a:schemeClr val="bg1"/>
+                </a:solidFill>
+                <a:effectLst>
+                  <a:outerShdw blurRad="38100" dist="38100" dir="2700000" algn="tl">
+                    <a:srgbClr val="000000">
+                      <a:alpha val="43137"/>
+                    </a:srgbClr>
+                  </a:outerShdw>
+                </a:effectLst>
+                <a:latin typeface="Palatino Linotype" panose="02040502050505030304" pitchFamily="18" charset="0"/>
+              </a:rPr>
+              <a:t> </a:t>
+            </a:r>
+            <a:r>
+              <a:rPr lang="en-US" sz="2400" dirty="0" err="1">
+                <a:solidFill>
+                  <a:schemeClr val="bg1"/>
+                </a:solidFill>
+                <a:effectLst>
+                  <a:outerShdw blurRad="38100" dist="38100" dir="2700000" algn="tl">
+                    <a:srgbClr val="000000">
+                      <a:alpha val="43137"/>
+                    </a:srgbClr>
+                  </a:outerShdw>
+                </a:effectLst>
+                <a:latin typeface="Palatino Linotype" panose="02040502050505030304" pitchFamily="18" charset="0"/>
+              </a:rPr>
+              <a:t>đơn</a:t>
+            </a:r>
+            <a:r>
+              <a:rPr lang="en-US" sz="2400" dirty="0">
+                <a:solidFill>
+                  <a:schemeClr val="bg1"/>
+                </a:solidFill>
+                <a:effectLst>
+                  <a:outerShdw blurRad="38100" dist="38100" dir="2700000" algn="tl">
+                    <a:srgbClr val="000000">
+                      <a:alpha val="43137"/>
+                    </a:srgbClr>
+                  </a:outerShdw>
+                </a:effectLst>
+                <a:latin typeface="Palatino Linotype" panose="02040502050505030304" pitchFamily="18" charset="0"/>
+              </a:rPr>
+              <a:t> </a:t>
+            </a:r>
+            <a:r>
+              <a:rPr lang="en-US" sz="2400" dirty="0" err="1">
+                <a:solidFill>
+                  <a:schemeClr val="bg1"/>
+                </a:solidFill>
+                <a:effectLst>
+                  <a:outerShdw blurRad="38100" dist="38100" dir="2700000" algn="tl">
+                    <a:srgbClr val="000000">
+                      <a:alpha val="43137"/>
+                    </a:srgbClr>
+                  </a:outerShdw>
+                </a:effectLst>
+                <a:latin typeface="Palatino Linotype" panose="02040502050505030304" pitchFamily="18" charset="0"/>
+              </a:rPr>
+              <a:t>hàng</a:t>
+            </a:r>
+            <a:r>
+              <a:rPr lang="en-US" sz="2400" dirty="0">
+                <a:solidFill>
+                  <a:schemeClr val="bg1"/>
+                </a:solidFill>
+                <a:effectLst>
+                  <a:outerShdw blurRad="38100" dist="38100" dir="2700000" algn="tl">
+                    <a:srgbClr val="000000">
+                      <a:alpha val="43137"/>
+                    </a:srgbClr>
+                  </a:outerShdw>
+                </a:effectLst>
+                <a:latin typeface="Palatino Linotype" panose="02040502050505030304" pitchFamily="18" charset="0"/>
+              </a:rPr>
+              <a:t> </a:t>
+            </a:r>
+            <a:r>
+              <a:rPr lang="en-US" sz="2400" dirty="0" err="1">
+                <a:solidFill>
+                  <a:schemeClr val="bg1"/>
+                </a:solidFill>
+                <a:effectLst>
+                  <a:outerShdw blurRad="38100" dist="38100" dir="2700000" algn="tl">
+                    <a:srgbClr val="000000">
+                      <a:alpha val="43137"/>
+                    </a:srgbClr>
+                  </a:outerShdw>
+                </a:effectLst>
+                <a:latin typeface="Palatino Linotype" panose="02040502050505030304" pitchFamily="18" charset="0"/>
+              </a:rPr>
+              <a:t>đã</a:t>
+            </a:r>
+            <a:r>
+              <a:rPr lang="en-US" sz="2400" dirty="0">
+                <a:solidFill>
+                  <a:schemeClr val="bg1"/>
+                </a:solidFill>
+                <a:effectLst>
+                  <a:outerShdw blurRad="38100" dist="38100" dir="2700000" algn="tl">
+                    <a:srgbClr val="000000">
+                      <a:alpha val="43137"/>
+                    </a:srgbClr>
+                  </a:outerShdw>
+                </a:effectLst>
+                <a:latin typeface="Palatino Linotype" panose="02040502050505030304" pitchFamily="18" charset="0"/>
+              </a:rPr>
+              <a:t> </a:t>
+            </a:r>
+            <a:r>
+              <a:rPr lang="en-US" sz="2400" dirty="0" err="1">
+                <a:solidFill>
+                  <a:schemeClr val="bg1"/>
+                </a:solidFill>
+                <a:effectLst>
+                  <a:outerShdw blurRad="38100" dist="38100" dir="2700000" algn="tl">
+                    <a:srgbClr val="000000">
+                      <a:alpha val="43137"/>
+                    </a:srgbClr>
+                  </a:outerShdw>
+                </a:effectLst>
+                <a:latin typeface="Palatino Linotype" panose="02040502050505030304" pitchFamily="18" charset="0"/>
+              </a:rPr>
+              <a:t>đặt</a:t>
+            </a:r>
+            <a:r>
+              <a:rPr lang="en-US" sz="2400" dirty="0">
+                <a:solidFill>
+                  <a:schemeClr val="bg1"/>
+                </a:solidFill>
+                <a:effectLst>
+                  <a:outerShdw blurRad="38100" dist="38100" dir="2700000" algn="tl">
+                    <a:srgbClr val="000000">
+                      <a:alpha val="43137"/>
+                    </a:srgbClr>
+                  </a:outerShdw>
+                </a:effectLst>
+                <a:latin typeface="Palatino Linotype" panose="02040502050505030304" pitchFamily="18" charset="0"/>
+              </a:rPr>
+              <a:t>.</a:t>
+            </a:r>
           </a:p>
         </p:txBody>
       </p:sp>
